--- a/ClassContent/02-VBA-Scripting/3/Victorious_VBA.pptx
+++ b/ClassContent/02-VBA-Scripting/3/Victorious_VBA.pptx
@@ -1328,13 +1328,6 @@
         </dgm:presLayoutVars>
       </dgm:prSet>
       <dgm:spPr/>
-      <dgm:t>
-        <a:bodyPr/>
-        <a:lstStyle/>
-        <a:p>
-          <a:endParaRPr lang="en-US"/>
-        </a:p>
-      </dgm:t>
     </dgm:pt>
     <dgm:pt modelId="{169238F5-1002-429C-B3EC-2D824E1143E2}" type="pres">
       <dgm:prSet presAssocID="{F94ECD17-D923-431F-8913-DA45F9A81D9C}" presName="vertOne" presStyleCnt="0"/>
@@ -1347,13 +1340,6 @@
         </dgm:presLayoutVars>
       </dgm:prSet>
       <dgm:spPr/>
-      <dgm:t>
-        <a:bodyPr/>
-        <a:lstStyle/>
-        <a:p>
-          <a:endParaRPr lang="en-US"/>
-        </a:p>
-      </dgm:t>
     </dgm:pt>
     <dgm:pt modelId="{483AE64B-8891-4D78-9C23-3A2EB9FB9F4A}" type="pres">
       <dgm:prSet presAssocID="{F94ECD17-D923-431F-8913-DA45F9A81D9C}" presName="parTransOne" presStyleCnt="0"/>
@@ -1374,13 +1360,6 @@
         </dgm:presLayoutVars>
       </dgm:prSet>
       <dgm:spPr/>
-      <dgm:t>
-        <a:bodyPr/>
-        <a:lstStyle/>
-        <a:p>
-          <a:endParaRPr lang="en-US"/>
-        </a:p>
-      </dgm:t>
     </dgm:pt>
     <dgm:pt modelId="{0903142B-8864-4D2E-B10D-45F4AC9C6229}" type="pres">
       <dgm:prSet presAssocID="{D3EB1359-7927-4CAE-8192-90D25BFE5E19}" presName="parTransTwo" presStyleCnt="0"/>
@@ -1401,13 +1380,6 @@
         </dgm:presLayoutVars>
       </dgm:prSet>
       <dgm:spPr/>
-      <dgm:t>
-        <a:bodyPr/>
-        <a:lstStyle/>
-        <a:p>
-          <a:endParaRPr lang="en-US"/>
-        </a:p>
-      </dgm:t>
     </dgm:pt>
     <dgm:pt modelId="{EB9E88B9-CBE7-4CA7-A943-4762A228CD19}" type="pres">
       <dgm:prSet presAssocID="{68BD5F48-3104-49E7-9235-C83D7D0ACE32}" presName="horzThree" presStyleCnt="0"/>
@@ -1428,13 +1400,6 @@
         </dgm:presLayoutVars>
       </dgm:prSet>
       <dgm:spPr/>
-      <dgm:t>
-        <a:bodyPr/>
-        <a:lstStyle/>
-        <a:p>
-          <a:endParaRPr lang="en-US"/>
-        </a:p>
-      </dgm:t>
     </dgm:pt>
     <dgm:pt modelId="{7118299E-223C-40BC-A299-80D15ED0D012}" type="pres">
       <dgm:prSet presAssocID="{54531B95-5AD5-4F7F-942B-AF42C218799D}" presName="parTransTwo" presStyleCnt="0"/>
@@ -1455,13 +1420,6 @@
         </dgm:presLayoutVars>
       </dgm:prSet>
       <dgm:spPr/>
-      <dgm:t>
-        <a:bodyPr/>
-        <a:lstStyle/>
-        <a:p>
-          <a:endParaRPr lang="en-US"/>
-        </a:p>
-      </dgm:t>
     </dgm:pt>
     <dgm:pt modelId="{FC960DC2-5691-4C4A-9FF6-71D00577AF50}" type="pres">
       <dgm:prSet presAssocID="{848B7C36-D9D3-4FD9-A94D-AB0BF901EADD}" presName="parTransThree" presStyleCnt="0"/>
@@ -1486,13 +1444,6 @@
         </dgm:presLayoutVars>
       </dgm:prSet>
       <dgm:spPr/>
-      <dgm:t>
-        <a:bodyPr/>
-        <a:lstStyle/>
-        <a:p>
-          <a:endParaRPr lang="en-US"/>
-        </a:p>
-      </dgm:t>
     </dgm:pt>
     <dgm:pt modelId="{BC972DA8-FD5A-46F3-9EC0-8A578BA73C5A}" type="pres">
       <dgm:prSet presAssocID="{EE161486-3491-40A8-B9BA-475717D571ED}" presName="horzFour" presStyleCnt="0"/>
@@ -1513,13 +1464,6 @@
         </dgm:presLayoutVars>
       </dgm:prSet>
       <dgm:spPr/>
-      <dgm:t>
-        <a:bodyPr/>
-        <a:lstStyle/>
-        <a:p>
-          <a:endParaRPr lang="en-US"/>
-        </a:p>
-      </dgm:t>
     </dgm:pt>
     <dgm:pt modelId="{DEBA888B-8F2F-4189-8ECE-446B16367799}" type="pres">
       <dgm:prSet presAssocID="{0F571D1F-C945-424E-801C-53A74FEA1AA0}" presName="parTransThree" presStyleCnt="0"/>
@@ -1544,13 +1488,6 @@
         </dgm:presLayoutVars>
       </dgm:prSet>
       <dgm:spPr/>
-      <dgm:t>
-        <a:bodyPr/>
-        <a:lstStyle/>
-        <a:p>
-          <a:endParaRPr lang="en-US"/>
-        </a:p>
-      </dgm:t>
     </dgm:pt>
     <dgm:pt modelId="{92A11B9A-BE82-4D73-81C3-6DA8C70B5AA0}" type="pres">
       <dgm:prSet presAssocID="{38F67FE5-986D-46C8-9743-B2BB555F69A4}" presName="horzFour" presStyleCnt="0"/>
@@ -1571,13 +1508,6 @@
         </dgm:presLayoutVars>
       </dgm:prSet>
       <dgm:spPr/>
-      <dgm:t>
-        <a:bodyPr/>
-        <a:lstStyle/>
-        <a:p>
-          <a:endParaRPr lang="en-US"/>
-        </a:p>
-      </dgm:t>
     </dgm:pt>
     <dgm:pt modelId="{0E257857-0E7D-4ACC-BE0A-DF21A283EE1D}" type="pres">
       <dgm:prSet presAssocID="{89B0A19F-1567-4729-9E76-DB7892947C63}" presName="horzThree" presStyleCnt="0"/>
@@ -1585,25 +1515,25 @@
     </dgm:pt>
   </dgm:ptLst>
   <dgm:cxnLst>
-    <dgm:cxn modelId="{8951F5EA-885B-6043-8178-258AD1D4833F}" type="presOf" srcId="{38F67FE5-986D-46C8-9743-B2BB555F69A4}" destId="{601DFACA-80DA-47A5-AA74-B14FACE687C4}" srcOrd="0" destOrd="0" presId="urn:microsoft.com/office/officeart/2005/8/layout/architecture"/>
-    <dgm:cxn modelId="{22F172D7-C11C-4D2E-A6A6-435478995409}" srcId="{D3EB1359-7927-4CAE-8192-90D25BFE5E19}" destId="{68BD5F48-3104-49E7-9235-C83D7D0ACE32}" srcOrd="0" destOrd="0" parTransId="{3407EFDD-C0ED-4252-AA42-F1D40B103315}" sibTransId="{D6AC8D3F-483D-4FBC-A6D3-47D4BCB7D7BD}"/>
-    <dgm:cxn modelId="{246258A1-45EC-814E-9943-840F5EB742EA}" type="presOf" srcId="{848B7C36-D9D3-4FD9-A94D-AB0BF901EADD}" destId="{7336406C-1B30-46E7-A680-A684C5397EDD}" srcOrd="0" destOrd="0" presId="urn:microsoft.com/office/officeart/2005/8/layout/architecture"/>
-    <dgm:cxn modelId="{9B18169B-1001-48DE-92EA-EDA7CE06ACA3}" srcId="{54531B95-5AD5-4F7F-942B-AF42C218799D}" destId="{848B7C36-D9D3-4FD9-A94D-AB0BF901EADD}" srcOrd="0" destOrd="0" parTransId="{361CCE0A-48F4-4818-A546-EC20A6E6FB47}" sibTransId="{8CF80518-ABB4-485E-9490-71DC160D0FBA}"/>
     <dgm:cxn modelId="{45BE5322-236A-8647-B027-935AEB0E6C9C}" type="presOf" srcId="{D3EB1359-7927-4CAE-8192-90D25BFE5E19}" destId="{28BF6D7C-7ACE-4B92-B70A-7BAAB135C480}" srcOrd="0" destOrd="0" presId="urn:microsoft.com/office/officeart/2005/8/layout/architecture"/>
-    <dgm:cxn modelId="{3D847D94-1D97-6D49-AC8D-E0CD0F1AC3E9}" type="presOf" srcId="{89B0A19F-1567-4729-9E76-DB7892947C63}" destId="{C282D415-67B8-47B8-A22B-8575BA03A5B2}" srcOrd="0" destOrd="0" presId="urn:microsoft.com/office/officeart/2005/8/layout/architecture"/>
-    <dgm:cxn modelId="{95E97588-0A48-BC43-A036-B51F2426DA56}" type="presOf" srcId="{EE161486-3491-40A8-B9BA-475717D571ED}" destId="{08FD729D-E9E8-4FC4-A0E9-F37F1BF8339A}" srcOrd="0" destOrd="0" presId="urn:microsoft.com/office/officeart/2005/8/layout/architecture"/>
-    <dgm:cxn modelId="{C1F9ECA6-7647-4B50-97E3-F08C263D80EC}" srcId="{F94ECD17-D923-431F-8913-DA45F9A81D9C}" destId="{54531B95-5AD5-4F7F-942B-AF42C218799D}" srcOrd="1" destOrd="0" parTransId="{874FABC3-8B84-4C6B-B893-A84DE0789D43}" sibTransId="{7D7B8A5D-32C5-443D-9899-CA8D3C48BF8C}"/>
-    <dgm:cxn modelId="{45529E43-90CF-2D42-8CB1-9E80F4D85A5E}" type="presOf" srcId="{68BD5F48-3104-49E7-9235-C83D7D0ACE32}" destId="{F87B9A9B-40AA-48D6-B9A4-36BD421BF4B8}" srcOrd="0" destOrd="0" presId="urn:microsoft.com/office/officeart/2005/8/layout/architecture"/>
-    <dgm:cxn modelId="{00004693-BF7E-414D-AA99-4EBCB431FC08}" type="presOf" srcId="{54531B95-5AD5-4F7F-942B-AF42C218799D}" destId="{6E7F776A-18DF-4337-9034-3ABCE61B555A}" srcOrd="0" destOrd="0" presId="urn:microsoft.com/office/officeart/2005/8/layout/architecture"/>
-    <dgm:cxn modelId="{2F2F96E8-18A7-4EFC-AF6D-EE43D0DF3493}" srcId="{DCA28FE4-1570-4CA4-8366-EC4D17FC3971}" destId="{F94ECD17-D923-431F-8913-DA45F9A81D9C}" srcOrd="0" destOrd="0" parTransId="{0E4F7B36-3D17-440B-B5CF-EE932B1AB6BD}" sibTransId="{202C98D9-44D4-452A-B701-CABF8BBD5765}"/>
     <dgm:cxn modelId="{82856528-AFBC-4BA9-BB1C-27AB0D27AEFF}" srcId="{54531B95-5AD5-4F7F-942B-AF42C218799D}" destId="{0F571D1F-C945-424E-801C-53A74FEA1AA0}" srcOrd="1" destOrd="0" parTransId="{DD850E8A-631B-41E4-AAB1-8C9E7F1E5497}" sibTransId="{43C3AA67-E3B8-4797-AE0F-D206F0E61D35}"/>
-    <dgm:cxn modelId="{8CBFEFAD-79DD-084F-989F-B0D69B6AB738}" type="presOf" srcId="{DCA28FE4-1570-4CA4-8366-EC4D17FC3971}" destId="{7BE6F752-FBF3-4ABF-8562-4AACDC2C4327}" srcOrd="0" destOrd="0" presId="urn:microsoft.com/office/officeart/2005/8/layout/architecture"/>
-    <dgm:cxn modelId="{F3395791-319E-4244-B38E-87923232C8C6}" srcId="{0F571D1F-C945-424E-801C-53A74FEA1AA0}" destId="{38F67FE5-986D-46C8-9743-B2BB555F69A4}" srcOrd="0" destOrd="0" parTransId="{A768A05B-7D9C-473A-B338-428937949DA6}" sibTransId="{2EE1B086-640A-4F4F-BC85-6E569AE85E2B}"/>
-    <dgm:cxn modelId="{0A3040C3-9198-F846-AD7F-A8CE027D289B}" type="presOf" srcId="{0F571D1F-C945-424E-801C-53A74FEA1AA0}" destId="{0099DC7C-1AE1-4B54-8C0B-490BC4E0C778}" srcOrd="0" destOrd="0" presId="urn:microsoft.com/office/officeart/2005/8/layout/architecture"/>
-    <dgm:cxn modelId="{48F037AF-5453-4744-8D4A-080F3A72E583}" srcId="{F94ECD17-D923-431F-8913-DA45F9A81D9C}" destId="{D3EB1359-7927-4CAE-8192-90D25BFE5E19}" srcOrd="0" destOrd="0" parTransId="{CB474753-644C-4671-8634-F52467BE5B47}" sibTransId="{AD80934C-6705-4BF4-BC4B-4650AF13D439}"/>
-    <dgm:cxn modelId="{8EADF23F-F1F2-F54A-8433-813024F1ECD3}" type="presOf" srcId="{F94ECD17-D923-431F-8913-DA45F9A81D9C}" destId="{1311687D-1063-48BC-A4A4-910A8D127878}" srcOrd="0" destOrd="0" presId="urn:microsoft.com/office/officeart/2005/8/layout/architecture"/>
     <dgm:cxn modelId="{5FD19128-1399-4FDA-A792-A8A026B55CE9}" srcId="{54531B95-5AD5-4F7F-942B-AF42C218799D}" destId="{89B0A19F-1567-4729-9E76-DB7892947C63}" srcOrd="2" destOrd="0" parTransId="{C9B34217-5CCC-411A-AFC9-6C194BFD7703}" sibTransId="{A58999B4-2C5A-458E-905B-2D68E6F6CA8E}"/>
     <dgm:cxn modelId="{6C4EEA2C-DED7-476E-8AF0-B0072D8C76A5}" srcId="{848B7C36-D9D3-4FD9-A94D-AB0BF901EADD}" destId="{EE161486-3491-40A8-B9BA-475717D571ED}" srcOrd="0" destOrd="0" parTransId="{6D8EF457-6CD2-4C66-8E75-D21D18CC5642}" sibTransId="{D5915C85-47F1-422B-9694-D87833334EAE}"/>
+    <dgm:cxn modelId="{8EADF23F-F1F2-F54A-8433-813024F1ECD3}" type="presOf" srcId="{F94ECD17-D923-431F-8913-DA45F9A81D9C}" destId="{1311687D-1063-48BC-A4A4-910A8D127878}" srcOrd="0" destOrd="0" presId="urn:microsoft.com/office/officeart/2005/8/layout/architecture"/>
+    <dgm:cxn modelId="{45529E43-90CF-2D42-8CB1-9E80F4D85A5E}" type="presOf" srcId="{68BD5F48-3104-49E7-9235-C83D7D0ACE32}" destId="{F87B9A9B-40AA-48D6-B9A4-36BD421BF4B8}" srcOrd="0" destOrd="0" presId="urn:microsoft.com/office/officeart/2005/8/layout/architecture"/>
+    <dgm:cxn modelId="{95E97588-0A48-BC43-A036-B51F2426DA56}" type="presOf" srcId="{EE161486-3491-40A8-B9BA-475717D571ED}" destId="{08FD729D-E9E8-4FC4-A0E9-F37F1BF8339A}" srcOrd="0" destOrd="0" presId="urn:microsoft.com/office/officeart/2005/8/layout/architecture"/>
+    <dgm:cxn modelId="{F3395791-319E-4244-B38E-87923232C8C6}" srcId="{0F571D1F-C945-424E-801C-53A74FEA1AA0}" destId="{38F67FE5-986D-46C8-9743-B2BB555F69A4}" srcOrd="0" destOrd="0" parTransId="{A768A05B-7D9C-473A-B338-428937949DA6}" sibTransId="{2EE1B086-640A-4F4F-BC85-6E569AE85E2B}"/>
+    <dgm:cxn modelId="{00004693-BF7E-414D-AA99-4EBCB431FC08}" type="presOf" srcId="{54531B95-5AD5-4F7F-942B-AF42C218799D}" destId="{6E7F776A-18DF-4337-9034-3ABCE61B555A}" srcOrd="0" destOrd="0" presId="urn:microsoft.com/office/officeart/2005/8/layout/architecture"/>
+    <dgm:cxn modelId="{3D847D94-1D97-6D49-AC8D-E0CD0F1AC3E9}" type="presOf" srcId="{89B0A19F-1567-4729-9E76-DB7892947C63}" destId="{C282D415-67B8-47B8-A22B-8575BA03A5B2}" srcOrd="0" destOrd="0" presId="urn:microsoft.com/office/officeart/2005/8/layout/architecture"/>
+    <dgm:cxn modelId="{9B18169B-1001-48DE-92EA-EDA7CE06ACA3}" srcId="{54531B95-5AD5-4F7F-942B-AF42C218799D}" destId="{848B7C36-D9D3-4FD9-A94D-AB0BF901EADD}" srcOrd="0" destOrd="0" parTransId="{361CCE0A-48F4-4818-A546-EC20A6E6FB47}" sibTransId="{8CF80518-ABB4-485E-9490-71DC160D0FBA}"/>
+    <dgm:cxn modelId="{246258A1-45EC-814E-9943-840F5EB742EA}" type="presOf" srcId="{848B7C36-D9D3-4FD9-A94D-AB0BF901EADD}" destId="{7336406C-1B30-46E7-A680-A684C5397EDD}" srcOrd="0" destOrd="0" presId="urn:microsoft.com/office/officeart/2005/8/layout/architecture"/>
+    <dgm:cxn modelId="{C1F9ECA6-7647-4B50-97E3-F08C263D80EC}" srcId="{F94ECD17-D923-431F-8913-DA45F9A81D9C}" destId="{54531B95-5AD5-4F7F-942B-AF42C218799D}" srcOrd="1" destOrd="0" parTransId="{874FABC3-8B84-4C6B-B893-A84DE0789D43}" sibTransId="{7D7B8A5D-32C5-443D-9899-CA8D3C48BF8C}"/>
+    <dgm:cxn modelId="{8CBFEFAD-79DD-084F-989F-B0D69B6AB738}" type="presOf" srcId="{DCA28FE4-1570-4CA4-8366-EC4D17FC3971}" destId="{7BE6F752-FBF3-4ABF-8562-4AACDC2C4327}" srcOrd="0" destOrd="0" presId="urn:microsoft.com/office/officeart/2005/8/layout/architecture"/>
+    <dgm:cxn modelId="{48F037AF-5453-4744-8D4A-080F3A72E583}" srcId="{F94ECD17-D923-431F-8913-DA45F9A81D9C}" destId="{D3EB1359-7927-4CAE-8192-90D25BFE5E19}" srcOrd="0" destOrd="0" parTransId="{CB474753-644C-4671-8634-F52467BE5B47}" sibTransId="{AD80934C-6705-4BF4-BC4B-4650AF13D439}"/>
+    <dgm:cxn modelId="{0A3040C3-9198-F846-AD7F-A8CE027D289B}" type="presOf" srcId="{0F571D1F-C945-424E-801C-53A74FEA1AA0}" destId="{0099DC7C-1AE1-4B54-8C0B-490BC4E0C778}" srcOrd="0" destOrd="0" presId="urn:microsoft.com/office/officeart/2005/8/layout/architecture"/>
+    <dgm:cxn modelId="{22F172D7-C11C-4D2E-A6A6-435478995409}" srcId="{D3EB1359-7927-4CAE-8192-90D25BFE5E19}" destId="{68BD5F48-3104-49E7-9235-C83D7D0ACE32}" srcOrd="0" destOrd="0" parTransId="{3407EFDD-C0ED-4252-AA42-F1D40B103315}" sibTransId="{D6AC8D3F-483D-4FBC-A6D3-47D4BCB7D7BD}"/>
+    <dgm:cxn modelId="{2F2F96E8-18A7-4EFC-AF6D-EE43D0DF3493}" srcId="{DCA28FE4-1570-4CA4-8366-EC4D17FC3971}" destId="{F94ECD17-D923-431F-8913-DA45F9A81D9C}" srcOrd="0" destOrd="0" parTransId="{0E4F7B36-3D17-440B-B5CF-EE932B1AB6BD}" sibTransId="{202C98D9-44D4-452A-B701-CABF8BBD5765}"/>
+    <dgm:cxn modelId="{8951F5EA-885B-6043-8178-258AD1D4833F}" type="presOf" srcId="{38F67FE5-986D-46C8-9743-B2BB555F69A4}" destId="{601DFACA-80DA-47A5-AA74-B14FACE687C4}" srcOrd="0" destOrd="0" presId="urn:microsoft.com/office/officeart/2005/8/layout/architecture"/>
     <dgm:cxn modelId="{A66DA92D-49E3-4542-9AAB-128A082D2C64}" type="presParOf" srcId="{7BE6F752-FBF3-4ABF-8562-4AACDC2C4327}" destId="{169238F5-1002-429C-B3EC-2D824E1143E2}" srcOrd="0" destOrd="0" presId="urn:microsoft.com/office/officeart/2005/8/layout/architecture"/>
     <dgm:cxn modelId="{0403CCE6-5BEC-D048-93C9-408F60FCDDB3}" type="presParOf" srcId="{169238F5-1002-429C-B3EC-2D824E1143E2}" destId="{1311687D-1063-48BC-A4A4-910A8D127878}" srcOrd="0" destOrd="0" presId="urn:microsoft.com/office/officeart/2005/8/layout/architecture"/>
     <dgm:cxn modelId="{2EBEF3A9-1CD4-3C4B-B6B1-197028497E0B}" type="presParOf" srcId="{169238F5-1002-429C-B3EC-2D824E1143E2}" destId="{483AE64B-8891-4D78-9C23-3A2EB9FB9F4A}" srcOrd="1" destOrd="0" presId="urn:microsoft.com/office/officeart/2005/8/layout/architecture"/>
@@ -1710,7 +1640,7 @@
         </a:bodyPr>
         <a:lstStyle/>
         <a:p>
-          <a:pPr lvl="0" algn="ctr" defTabSz="800100">
+          <a:pPr marL="0" lvl="0" indent="0" algn="ctr" defTabSz="800100">
             <a:lnSpc>
               <a:spcPct val="90000"/>
             </a:lnSpc>
@@ -1720,6 +1650,7 @@
             <a:spcAft>
               <a:spcPct val="35000"/>
             </a:spcAft>
+            <a:buNone/>
           </a:pPr>
           <a:r>
             <a:rPr lang="en-US" sz="1800" b="1" kern="1200" dirty="0">
@@ -1787,7 +1718,7 @@
         </a:bodyPr>
         <a:lstStyle/>
         <a:p>
-          <a:pPr lvl="0" algn="ctr" defTabSz="800100">
+          <a:pPr marL="0" lvl="0" indent="0" algn="ctr" defTabSz="800100">
             <a:lnSpc>
               <a:spcPct val="90000"/>
             </a:lnSpc>
@@ -1797,6 +1728,7 @@
             <a:spcAft>
               <a:spcPct val="35000"/>
             </a:spcAft>
+            <a:buNone/>
           </a:pPr>
           <a:r>
             <a:rPr lang="en-US" sz="1800" b="1" kern="1200" dirty="0">
@@ -1867,7 +1799,7 @@
         </a:bodyPr>
         <a:lstStyle/>
         <a:p>
-          <a:pPr lvl="0" algn="ctr" defTabSz="800100">
+          <a:pPr marL="0" lvl="0" indent="0" algn="ctr" defTabSz="800100">
             <a:lnSpc>
               <a:spcPct val="90000"/>
             </a:lnSpc>
@@ -1877,6 +1809,7 @@
             <a:spcAft>
               <a:spcPct val="35000"/>
             </a:spcAft>
+            <a:buNone/>
           </a:pPr>
           <a:r>
             <a:rPr lang="en-US" sz="1800" b="1" kern="1200" dirty="0">
@@ -1947,7 +1880,7 @@
         </a:bodyPr>
         <a:lstStyle/>
         <a:p>
-          <a:pPr lvl="0" algn="ctr" defTabSz="800100">
+          <a:pPr marL="0" lvl="0" indent="0" algn="ctr" defTabSz="800100">
             <a:lnSpc>
               <a:spcPct val="90000"/>
             </a:lnSpc>
@@ -1957,6 +1890,7 @@
             <a:spcAft>
               <a:spcPct val="35000"/>
             </a:spcAft>
+            <a:buNone/>
           </a:pPr>
           <a:r>
             <a:rPr lang="en-US" sz="1800" b="1" kern="1200" dirty="0">
@@ -2026,7 +1960,7 @@
         </a:bodyPr>
         <a:lstStyle/>
         <a:p>
-          <a:pPr lvl="0" algn="ctr" defTabSz="800100">
+          <a:pPr marL="0" lvl="0" indent="0" algn="ctr" defTabSz="800100">
             <a:lnSpc>
               <a:spcPct val="90000"/>
             </a:lnSpc>
@@ -2036,6 +1970,7 @@
             <a:spcAft>
               <a:spcPct val="35000"/>
             </a:spcAft>
+            <a:buNone/>
           </a:pPr>
           <a:r>
             <a:rPr lang="en-US" sz="1800" b="1" kern="1200" dirty="0">
@@ -2103,7 +2038,7 @@
         </a:bodyPr>
         <a:lstStyle/>
         <a:p>
-          <a:pPr lvl="0" algn="ctr" defTabSz="800100">
+          <a:pPr marL="0" lvl="0" indent="0" algn="ctr" defTabSz="800100">
             <a:lnSpc>
               <a:spcPct val="90000"/>
             </a:lnSpc>
@@ -2113,6 +2048,7 @@
             <a:spcAft>
               <a:spcPct val="35000"/>
             </a:spcAft>
+            <a:buNone/>
           </a:pPr>
           <a:r>
             <a:rPr lang="en-US" sz="1800" b="1" kern="1200" dirty="0">
@@ -2183,7 +2119,7 @@
         </a:bodyPr>
         <a:lstStyle/>
         <a:p>
-          <a:pPr lvl="0" algn="ctr" defTabSz="800100">
+          <a:pPr marL="0" lvl="0" indent="0" algn="ctr" defTabSz="800100">
             <a:lnSpc>
               <a:spcPct val="90000"/>
             </a:lnSpc>
@@ -2193,6 +2129,7 @@
             <a:spcAft>
               <a:spcPct val="35000"/>
             </a:spcAft>
+            <a:buNone/>
           </a:pPr>
           <a:r>
             <a:rPr lang="en-US" sz="1800" b="1" kern="1200" dirty="0">
@@ -2260,7 +2197,7 @@
         </a:bodyPr>
         <a:lstStyle/>
         <a:p>
-          <a:pPr lvl="0" algn="ctr" defTabSz="800100">
+          <a:pPr marL="0" lvl="0" indent="0" algn="ctr" defTabSz="800100">
             <a:lnSpc>
               <a:spcPct val="90000"/>
             </a:lnSpc>
@@ -2270,6 +2207,7 @@
             <a:spcAft>
               <a:spcPct val="35000"/>
             </a:spcAft>
+            <a:buNone/>
           </a:pPr>
           <a:r>
             <a:rPr lang="en-US" sz="1800" b="1" kern="1200" dirty="0">
@@ -2339,7 +2277,7 @@
         </a:bodyPr>
         <a:lstStyle/>
         <a:p>
-          <a:pPr lvl="0" algn="ctr" defTabSz="800100">
+          <a:pPr marL="0" lvl="0" indent="0" algn="ctr" defTabSz="800100">
             <a:lnSpc>
               <a:spcPct val="90000"/>
             </a:lnSpc>
@@ -2349,6 +2287,7 @@
             <a:spcAft>
               <a:spcPct val="35000"/>
             </a:spcAft>
+            <a:buNone/>
           </a:pPr>
           <a:r>
             <a:rPr lang="en-US" sz="1800" b="1" kern="1200" dirty="0">
@@ -4007,7 +3946,7 @@
           <a:p>
             <a:fld id="{51A969EA-8566-418D-AC96-BC5F6E9FAB6C}" type="datetimeFigureOut">
               <a:rPr lang="en-US" smtClean="0"/>
-              <a:t>9/24/2018</a:t>
+              <a:t>11/19/2018</a:t>
             </a:fld>
             <a:endParaRPr lang="en-US"/>
           </a:p>
@@ -4172,7 +4111,7 @@
           <a:p>
             <a:fld id="{33B07B4B-74D8-4C42-A719-1F93879497F8}" type="datetimeFigureOut">
               <a:rPr lang="en-US" smtClean="0"/>
-              <a:t>9/24/2018</a:t>
+              <a:t>11/19/2018</a:t>
             </a:fld>
             <a:endParaRPr lang="en-US"/>
           </a:p>
@@ -6118,7 +6057,7 @@
           <a:p>
             <a:fld id="{B65C9255-9F07-4181-9AD2-897FFC0A3B7E}" type="datetimeFigureOut">
               <a:rPr lang="en-US" smtClean="0"/>
-              <a:t>9/24/2018</a:t>
+              <a:t>11/19/2018</a:t>
             </a:fld>
             <a:endParaRPr lang="en-US"/>
           </a:p>
@@ -6320,7 +6259,7 @@
           <a:p>
             <a:fld id="{B65C9255-9F07-4181-9AD2-897FFC0A3B7E}" type="datetimeFigureOut">
               <a:rPr lang="en-US" smtClean="0"/>
-              <a:t>9/24/2018</a:t>
+              <a:t>11/19/2018</a:t>
             </a:fld>
             <a:endParaRPr lang="en-US"/>
           </a:p>
@@ -6543,7 +6482,7 @@
           <a:p>
             <a:fld id="{B65C9255-9F07-4181-9AD2-897FFC0A3B7E}" type="datetimeFigureOut">
               <a:rPr lang="en-US" smtClean="0"/>
-              <a:t>9/24/2018</a:t>
+              <a:t>11/19/2018</a:t>
             </a:fld>
             <a:endParaRPr lang="en-US"/>
           </a:p>
@@ -7257,10 +7196,6 @@
             </a:lvl9pPr>
           </a:lstStyle>
           <a:p>
-            <a:r>
-              <a:rPr lang="en-US" dirty="0" smtClean="0"/>
-              <a:t>&lt;DATE HERE&gt;</a:t>
-            </a:r>
             <a:endParaRPr lang="en-US" dirty="0"/>
           </a:p>
         </p:txBody>
@@ -7357,21 +7292,21 @@
                 <a:gridCol w="1645709">
                   <a:extLst>
                     <a:ext uri="{9D8B030D-6E8A-4147-A177-3AD203B41FA5}">
-                      <a16:colId xmlns:a16="http://schemas.microsoft.com/office/drawing/2014/main" xmlns="" val="20000"/>
+                      <a16:colId xmlns:a16="http://schemas.microsoft.com/office/drawing/2014/main" val="20000"/>
                     </a:ext>
                   </a:extLst>
                 </a:gridCol>
                 <a:gridCol w="1645709">
                   <a:extLst>
                     <a:ext uri="{9D8B030D-6E8A-4147-A177-3AD203B41FA5}">
-                      <a16:colId xmlns:a16="http://schemas.microsoft.com/office/drawing/2014/main" xmlns="" val="20001"/>
+                      <a16:colId xmlns:a16="http://schemas.microsoft.com/office/drawing/2014/main" val="20001"/>
                     </a:ext>
                   </a:extLst>
                 </a:gridCol>
                 <a:gridCol w="1645709">
                   <a:extLst>
                     <a:ext uri="{9D8B030D-6E8A-4147-A177-3AD203B41FA5}">
-                      <a16:colId xmlns:a16="http://schemas.microsoft.com/office/drawing/2014/main" xmlns="" val="20002"/>
+                      <a16:colId xmlns:a16="http://schemas.microsoft.com/office/drawing/2014/main" val="20002"/>
                     </a:ext>
                   </a:extLst>
                 </a:gridCol>
@@ -7422,7 +7357,7 @@
                 </a:tc>
                 <a:extLst>
                   <a:ext uri="{0D108BD9-81ED-4DB2-BD59-A6C34878D82A}">
-                    <a16:rowId xmlns:a16="http://schemas.microsoft.com/office/drawing/2014/main" xmlns="" val="10000"/>
+                    <a16:rowId xmlns:a16="http://schemas.microsoft.com/office/drawing/2014/main" val="10000"/>
                   </a:ext>
                 </a:extLst>
               </a:tr>
@@ -7471,7 +7406,7 @@
                 </a:tc>
                 <a:extLst>
                   <a:ext uri="{0D108BD9-81ED-4DB2-BD59-A6C34878D82A}">
-                    <a16:rowId xmlns:a16="http://schemas.microsoft.com/office/drawing/2014/main" xmlns="" val="10001"/>
+                    <a16:rowId xmlns:a16="http://schemas.microsoft.com/office/drawing/2014/main" val="10001"/>
                   </a:ext>
                 </a:extLst>
               </a:tr>
@@ -7520,7 +7455,7 @@
                 </a:tc>
                 <a:extLst>
                   <a:ext uri="{0D108BD9-81ED-4DB2-BD59-A6C34878D82A}">
-                    <a16:rowId xmlns:a16="http://schemas.microsoft.com/office/drawing/2014/main" xmlns="" val="10002"/>
+                    <a16:rowId xmlns:a16="http://schemas.microsoft.com/office/drawing/2014/main" val="10002"/>
                   </a:ext>
                 </a:extLst>
               </a:tr>
@@ -7570,7 +7505,7 @@
                 </a:tc>
                 <a:extLst>
                   <a:ext uri="{0D108BD9-81ED-4DB2-BD59-A6C34878D82A}">
-                    <a16:rowId xmlns:a16="http://schemas.microsoft.com/office/drawing/2014/main" xmlns="" val="10003"/>
+                    <a16:rowId xmlns:a16="http://schemas.microsoft.com/office/drawing/2014/main" val="10003"/>
                   </a:ext>
                 </a:extLst>
               </a:tr>
@@ -7894,21 +7829,21 @@
                 <a:gridCol w="1645709">
                   <a:extLst>
                     <a:ext uri="{9D8B030D-6E8A-4147-A177-3AD203B41FA5}">
-                      <a16:colId xmlns:a16="http://schemas.microsoft.com/office/drawing/2014/main" xmlns="" val="20000"/>
+                      <a16:colId xmlns:a16="http://schemas.microsoft.com/office/drawing/2014/main" val="20000"/>
                     </a:ext>
                   </a:extLst>
                 </a:gridCol>
                 <a:gridCol w="1645709">
                   <a:extLst>
                     <a:ext uri="{9D8B030D-6E8A-4147-A177-3AD203B41FA5}">
-                      <a16:colId xmlns:a16="http://schemas.microsoft.com/office/drawing/2014/main" xmlns="" val="20001"/>
+                      <a16:colId xmlns:a16="http://schemas.microsoft.com/office/drawing/2014/main" val="20001"/>
                     </a:ext>
                   </a:extLst>
                 </a:gridCol>
                 <a:gridCol w="1645709">
                   <a:extLst>
                     <a:ext uri="{9D8B030D-6E8A-4147-A177-3AD203B41FA5}">
-                      <a16:colId xmlns:a16="http://schemas.microsoft.com/office/drawing/2014/main" xmlns="" val="20002"/>
+                      <a16:colId xmlns:a16="http://schemas.microsoft.com/office/drawing/2014/main" val="20002"/>
                     </a:ext>
                   </a:extLst>
                 </a:gridCol>
@@ -7959,7 +7894,7 @@
                 </a:tc>
                 <a:extLst>
                   <a:ext uri="{0D108BD9-81ED-4DB2-BD59-A6C34878D82A}">
-                    <a16:rowId xmlns:a16="http://schemas.microsoft.com/office/drawing/2014/main" xmlns="" val="10000"/>
+                    <a16:rowId xmlns:a16="http://schemas.microsoft.com/office/drawing/2014/main" val="10000"/>
                   </a:ext>
                 </a:extLst>
               </a:tr>
@@ -8008,7 +7943,7 @@
                 </a:tc>
                 <a:extLst>
                   <a:ext uri="{0D108BD9-81ED-4DB2-BD59-A6C34878D82A}">
-                    <a16:rowId xmlns:a16="http://schemas.microsoft.com/office/drawing/2014/main" xmlns="" val="10001"/>
+                    <a16:rowId xmlns:a16="http://schemas.microsoft.com/office/drawing/2014/main" val="10001"/>
                   </a:ext>
                 </a:extLst>
               </a:tr>
@@ -8057,7 +7992,7 @@
                 </a:tc>
                 <a:extLst>
                   <a:ext uri="{0D108BD9-81ED-4DB2-BD59-A6C34878D82A}">
-                    <a16:rowId xmlns:a16="http://schemas.microsoft.com/office/drawing/2014/main" xmlns="" val="10002"/>
+                    <a16:rowId xmlns:a16="http://schemas.microsoft.com/office/drawing/2014/main" val="10002"/>
                   </a:ext>
                 </a:extLst>
               </a:tr>
@@ -8107,7 +8042,7 @@
                 </a:tc>
                 <a:extLst>
                   <a:ext uri="{0D108BD9-81ED-4DB2-BD59-A6C34878D82A}">
-                    <a16:rowId xmlns:a16="http://schemas.microsoft.com/office/drawing/2014/main" xmlns="" val="10003"/>
+                    <a16:rowId xmlns:a16="http://schemas.microsoft.com/office/drawing/2014/main" val="10003"/>
                   </a:ext>
                 </a:extLst>
               </a:tr>
@@ -8569,21 +8504,21 @@
                 <a:gridCol w="1645709">
                   <a:extLst>
                     <a:ext uri="{9D8B030D-6E8A-4147-A177-3AD203B41FA5}">
-                      <a16:colId xmlns:a16="http://schemas.microsoft.com/office/drawing/2014/main" xmlns="" val="20000"/>
+                      <a16:colId xmlns:a16="http://schemas.microsoft.com/office/drawing/2014/main" val="20000"/>
                     </a:ext>
                   </a:extLst>
                 </a:gridCol>
                 <a:gridCol w="1645709">
                   <a:extLst>
                     <a:ext uri="{9D8B030D-6E8A-4147-A177-3AD203B41FA5}">
-                      <a16:colId xmlns:a16="http://schemas.microsoft.com/office/drawing/2014/main" xmlns="" val="20001"/>
+                      <a16:colId xmlns:a16="http://schemas.microsoft.com/office/drawing/2014/main" val="20001"/>
                     </a:ext>
                   </a:extLst>
                 </a:gridCol>
                 <a:gridCol w="1645709">
                   <a:extLst>
                     <a:ext uri="{9D8B030D-6E8A-4147-A177-3AD203B41FA5}">
-                      <a16:colId xmlns:a16="http://schemas.microsoft.com/office/drawing/2014/main" xmlns="" val="20002"/>
+                      <a16:colId xmlns:a16="http://schemas.microsoft.com/office/drawing/2014/main" val="20002"/>
                     </a:ext>
                   </a:extLst>
                 </a:gridCol>
@@ -8634,7 +8569,7 @@
                 </a:tc>
                 <a:extLst>
                   <a:ext uri="{0D108BD9-81ED-4DB2-BD59-A6C34878D82A}">
-                    <a16:rowId xmlns:a16="http://schemas.microsoft.com/office/drawing/2014/main" xmlns="" val="10000"/>
+                    <a16:rowId xmlns:a16="http://schemas.microsoft.com/office/drawing/2014/main" val="10000"/>
                   </a:ext>
                 </a:extLst>
               </a:tr>
@@ -8683,7 +8618,7 @@
                 </a:tc>
                 <a:extLst>
                   <a:ext uri="{0D108BD9-81ED-4DB2-BD59-A6C34878D82A}">
-                    <a16:rowId xmlns:a16="http://schemas.microsoft.com/office/drawing/2014/main" xmlns="" val="10001"/>
+                    <a16:rowId xmlns:a16="http://schemas.microsoft.com/office/drawing/2014/main" val="10001"/>
                   </a:ext>
                 </a:extLst>
               </a:tr>
@@ -8732,7 +8667,7 @@
                 </a:tc>
                 <a:extLst>
                   <a:ext uri="{0D108BD9-81ED-4DB2-BD59-A6C34878D82A}">
-                    <a16:rowId xmlns:a16="http://schemas.microsoft.com/office/drawing/2014/main" xmlns="" val="10002"/>
+                    <a16:rowId xmlns:a16="http://schemas.microsoft.com/office/drawing/2014/main" val="10002"/>
                   </a:ext>
                 </a:extLst>
               </a:tr>
@@ -8782,7 +8717,7 @@
                 </a:tc>
                 <a:extLst>
                   <a:ext uri="{0D108BD9-81ED-4DB2-BD59-A6C34878D82A}">
-                    <a16:rowId xmlns:a16="http://schemas.microsoft.com/office/drawing/2014/main" xmlns="" val="10003"/>
+                    <a16:rowId xmlns:a16="http://schemas.microsoft.com/office/drawing/2014/main" val="10003"/>
                   </a:ext>
                 </a:extLst>
               </a:tr>
@@ -9244,21 +9179,21 @@
                 <a:gridCol w="1645709">
                   <a:extLst>
                     <a:ext uri="{9D8B030D-6E8A-4147-A177-3AD203B41FA5}">
-                      <a16:colId xmlns:a16="http://schemas.microsoft.com/office/drawing/2014/main" xmlns="" val="20000"/>
+                      <a16:colId xmlns:a16="http://schemas.microsoft.com/office/drawing/2014/main" val="20000"/>
                     </a:ext>
                   </a:extLst>
                 </a:gridCol>
                 <a:gridCol w="1645709">
                   <a:extLst>
                     <a:ext uri="{9D8B030D-6E8A-4147-A177-3AD203B41FA5}">
-                      <a16:colId xmlns:a16="http://schemas.microsoft.com/office/drawing/2014/main" xmlns="" val="20001"/>
+                      <a16:colId xmlns:a16="http://schemas.microsoft.com/office/drawing/2014/main" val="20001"/>
                     </a:ext>
                   </a:extLst>
                 </a:gridCol>
                 <a:gridCol w="1645709">
                   <a:extLst>
                     <a:ext uri="{9D8B030D-6E8A-4147-A177-3AD203B41FA5}">
-                      <a16:colId xmlns:a16="http://schemas.microsoft.com/office/drawing/2014/main" xmlns="" val="20002"/>
+                      <a16:colId xmlns:a16="http://schemas.microsoft.com/office/drawing/2014/main" val="20002"/>
                     </a:ext>
                   </a:extLst>
                 </a:gridCol>
@@ -9309,7 +9244,7 @@
                 </a:tc>
                 <a:extLst>
                   <a:ext uri="{0D108BD9-81ED-4DB2-BD59-A6C34878D82A}">
-                    <a16:rowId xmlns:a16="http://schemas.microsoft.com/office/drawing/2014/main" xmlns="" val="10000"/>
+                    <a16:rowId xmlns:a16="http://schemas.microsoft.com/office/drawing/2014/main" val="10000"/>
                   </a:ext>
                 </a:extLst>
               </a:tr>
@@ -9358,7 +9293,7 @@
                 </a:tc>
                 <a:extLst>
                   <a:ext uri="{0D108BD9-81ED-4DB2-BD59-A6C34878D82A}">
-                    <a16:rowId xmlns:a16="http://schemas.microsoft.com/office/drawing/2014/main" xmlns="" val="10001"/>
+                    <a16:rowId xmlns:a16="http://schemas.microsoft.com/office/drawing/2014/main" val="10001"/>
                   </a:ext>
                 </a:extLst>
               </a:tr>
@@ -9407,7 +9342,7 @@
                 </a:tc>
                 <a:extLst>
                   <a:ext uri="{0D108BD9-81ED-4DB2-BD59-A6C34878D82A}">
-                    <a16:rowId xmlns:a16="http://schemas.microsoft.com/office/drawing/2014/main" xmlns="" val="10002"/>
+                    <a16:rowId xmlns:a16="http://schemas.microsoft.com/office/drawing/2014/main" val="10002"/>
                   </a:ext>
                 </a:extLst>
               </a:tr>
@@ -9457,7 +9392,7 @@
                 </a:tc>
                 <a:extLst>
                   <a:ext uri="{0D108BD9-81ED-4DB2-BD59-A6C34878D82A}">
-                    <a16:rowId xmlns:a16="http://schemas.microsoft.com/office/drawing/2014/main" xmlns="" val="10003"/>
+                    <a16:rowId xmlns:a16="http://schemas.microsoft.com/office/drawing/2014/main" val="10003"/>
                   </a:ext>
                 </a:extLst>
               </a:tr>
@@ -9919,21 +9854,21 @@
                 <a:gridCol w="1645709">
                   <a:extLst>
                     <a:ext uri="{9D8B030D-6E8A-4147-A177-3AD203B41FA5}">
-                      <a16:colId xmlns:a16="http://schemas.microsoft.com/office/drawing/2014/main" xmlns="" val="20000"/>
+                      <a16:colId xmlns:a16="http://schemas.microsoft.com/office/drawing/2014/main" val="20000"/>
                     </a:ext>
                   </a:extLst>
                 </a:gridCol>
                 <a:gridCol w="1645709">
                   <a:extLst>
                     <a:ext uri="{9D8B030D-6E8A-4147-A177-3AD203B41FA5}">
-                      <a16:colId xmlns:a16="http://schemas.microsoft.com/office/drawing/2014/main" xmlns="" val="20001"/>
+                      <a16:colId xmlns:a16="http://schemas.microsoft.com/office/drawing/2014/main" val="20001"/>
                     </a:ext>
                   </a:extLst>
                 </a:gridCol>
                 <a:gridCol w="1645709">
                   <a:extLst>
                     <a:ext uri="{9D8B030D-6E8A-4147-A177-3AD203B41FA5}">
-                      <a16:colId xmlns:a16="http://schemas.microsoft.com/office/drawing/2014/main" xmlns="" val="20002"/>
+                      <a16:colId xmlns:a16="http://schemas.microsoft.com/office/drawing/2014/main" val="20002"/>
                     </a:ext>
                   </a:extLst>
                 </a:gridCol>
@@ -9984,7 +9919,7 @@
                 </a:tc>
                 <a:extLst>
                   <a:ext uri="{0D108BD9-81ED-4DB2-BD59-A6C34878D82A}">
-                    <a16:rowId xmlns:a16="http://schemas.microsoft.com/office/drawing/2014/main" xmlns="" val="10000"/>
+                    <a16:rowId xmlns:a16="http://schemas.microsoft.com/office/drawing/2014/main" val="10000"/>
                   </a:ext>
                 </a:extLst>
               </a:tr>
@@ -10033,7 +9968,7 @@
                 </a:tc>
                 <a:extLst>
                   <a:ext uri="{0D108BD9-81ED-4DB2-BD59-A6C34878D82A}">
-                    <a16:rowId xmlns:a16="http://schemas.microsoft.com/office/drawing/2014/main" xmlns="" val="10001"/>
+                    <a16:rowId xmlns:a16="http://schemas.microsoft.com/office/drawing/2014/main" val="10001"/>
                   </a:ext>
                 </a:extLst>
               </a:tr>
@@ -10082,7 +10017,7 @@
                 </a:tc>
                 <a:extLst>
                   <a:ext uri="{0D108BD9-81ED-4DB2-BD59-A6C34878D82A}">
-                    <a16:rowId xmlns:a16="http://schemas.microsoft.com/office/drawing/2014/main" xmlns="" val="10002"/>
+                    <a16:rowId xmlns:a16="http://schemas.microsoft.com/office/drawing/2014/main" val="10002"/>
                   </a:ext>
                 </a:extLst>
               </a:tr>
@@ -10132,7 +10067,7 @@
                 </a:tc>
                 <a:extLst>
                   <a:ext uri="{0D108BD9-81ED-4DB2-BD59-A6C34878D82A}">
-                    <a16:rowId xmlns:a16="http://schemas.microsoft.com/office/drawing/2014/main" xmlns="" val="10003"/>
+                    <a16:rowId xmlns:a16="http://schemas.microsoft.com/office/drawing/2014/main" val="10003"/>
                   </a:ext>
                 </a:extLst>
               </a:tr>
@@ -10720,21 +10655,21 @@
                 <a:gridCol w="1645709">
                   <a:extLst>
                     <a:ext uri="{9D8B030D-6E8A-4147-A177-3AD203B41FA5}">
-                      <a16:colId xmlns:a16="http://schemas.microsoft.com/office/drawing/2014/main" xmlns="" val="20000"/>
+                      <a16:colId xmlns:a16="http://schemas.microsoft.com/office/drawing/2014/main" val="20000"/>
                     </a:ext>
                   </a:extLst>
                 </a:gridCol>
                 <a:gridCol w="1645709">
                   <a:extLst>
                     <a:ext uri="{9D8B030D-6E8A-4147-A177-3AD203B41FA5}">
-                      <a16:colId xmlns:a16="http://schemas.microsoft.com/office/drawing/2014/main" xmlns="" val="20001"/>
+                      <a16:colId xmlns:a16="http://schemas.microsoft.com/office/drawing/2014/main" val="20001"/>
                     </a:ext>
                   </a:extLst>
                 </a:gridCol>
                 <a:gridCol w="1645709">
                   <a:extLst>
                     <a:ext uri="{9D8B030D-6E8A-4147-A177-3AD203B41FA5}">
-                      <a16:colId xmlns:a16="http://schemas.microsoft.com/office/drawing/2014/main" xmlns="" val="20002"/>
+                      <a16:colId xmlns:a16="http://schemas.microsoft.com/office/drawing/2014/main" val="20002"/>
                     </a:ext>
                   </a:extLst>
                 </a:gridCol>
@@ -10785,7 +10720,7 @@
                 </a:tc>
                 <a:extLst>
                   <a:ext uri="{0D108BD9-81ED-4DB2-BD59-A6C34878D82A}">
-                    <a16:rowId xmlns:a16="http://schemas.microsoft.com/office/drawing/2014/main" xmlns="" val="10000"/>
+                    <a16:rowId xmlns:a16="http://schemas.microsoft.com/office/drawing/2014/main" val="10000"/>
                   </a:ext>
                 </a:extLst>
               </a:tr>
@@ -10834,7 +10769,7 @@
                 </a:tc>
                 <a:extLst>
                   <a:ext uri="{0D108BD9-81ED-4DB2-BD59-A6C34878D82A}">
-                    <a16:rowId xmlns:a16="http://schemas.microsoft.com/office/drawing/2014/main" xmlns="" val="10001"/>
+                    <a16:rowId xmlns:a16="http://schemas.microsoft.com/office/drawing/2014/main" val="10001"/>
                   </a:ext>
                 </a:extLst>
               </a:tr>
@@ -10883,7 +10818,7 @@
                 </a:tc>
                 <a:extLst>
                   <a:ext uri="{0D108BD9-81ED-4DB2-BD59-A6C34878D82A}">
-                    <a16:rowId xmlns:a16="http://schemas.microsoft.com/office/drawing/2014/main" xmlns="" val="10002"/>
+                    <a16:rowId xmlns:a16="http://schemas.microsoft.com/office/drawing/2014/main" val="10002"/>
                   </a:ext>
                 </a:extLst>
               </a:tr>
@@ -10933,7 +10868,7 @@
                 </a:tc>
                 <a:extLst>
                   <a:ext uri="{0D108BD9-81ED-4DB2-BD59-A6C34878D82A}">
-                    <a16:rowId xmlns:a16="http://schemas.microsoft.com/office/drawing/2014/main" xmlns="" val="10003"/>
+                    <a16:rowId xmlns:a16="http://schemas.microsoft.com/office/drawing/2014/main" val="10003"/>
                   </a:ext>
                 </a:extLst>
               </a:tr>
@@ -11152,7 +11087,7 @@
           <p:cNvPr id="14" name="Picture 13">
             <a:extLst>
               <a:ext uri="{FF2B5EF4-FFF2-40B4-BE49-F238E27FC236}">
-                <a16:creationId xmlns:a16="http://schemas.microsoft.com/office/drawing/2014/main" xmlns="" id="{5323583B-EB15-594F-96EB-F977FDD78253}"/>
+                <a16:creationId xmlns:a16="http://schemas.microsoft.com/office/drawing/2014/main" id="{5323583B-EB15-594F-96EB-F977FDD78253}"/>
               </a:ext>
             </a:extLst>
           </p:cNvPr>
@@ -11269,21 +11204,21 @@
                 <a:gridCol w="1645709">
                   <a:extLst>
                     <a:ext uri="{9D8B030D-6E8A-4147-A177-3AD203B41FA5}">
-                      <a16:colId xmlns:a16="http://schemas.microsoft.com/office/drawing/2014/main" xmlns="" val="20000"/>
+                      <a16:colId xmlns:a16="http://schemas.microsoft.com/office/drawing/2014/main" val="20000"/>
                     </a:ext>
                   </a:extLst>
                 </a:gridCol>
                 <a:gridCol w="1645709">
                   <a:extLst>
                     <a:ext uri="{9D8B030D-6E8A-4147-A177-3AD203B41FA5}">
-                      <a16:colId xmlns:a16="http://schemas.microsoft.com/office/drawing/2014/main" xmlns="" val="20001"/>
+                      <a16:colId xmlns:a16="http://schemas.microsoft.com/office/drawing/2014/main" val="20001"/>
                     </a:ext>
                   </a:extLst>
                 </a:gridCol>
                 <a:gridCol w="1645709">
                   <a:extLst>
                     <a:ext uri="{9D8B030D-6E8A-4147-A177-3AD203B41FA5}">
-                      <a16:colId xmlns:a16="http://schemas.microsoft.com/office/drawing/2014/main" xmlns="" val="20002"/>
+                      <a16:colId xmlns:a16="http://schemas.microsoft.com/office/drawing/2014/main" val="20002"/>
                     </a:ext>
                   </a:extLst>
                 </a:gridCol>
@@ -11334,7 +11269,7 @@
                 </a:tc>
                 <a:extLst>
                   <a:ext uri="{0D108BD9-81ED-4DB2-BD59-A6C34878D82A}">
-                    <a16:rowId xmlns:a16="http://schemas.microsoft.com/office/drawing/2014/main" xmlns="" val="10000"/>
+                    <a16:rowId xmlns:a16="http://schemas.microsoft.com/office/drawing/2014/main" val="10000"/>
                   </a:ext>
                 </a:extLst>
               </a:tr>
@@ -11383,7 +11318,7 @@
                 </a:tc>
                 <a:extLst>
                   <a:ext uri="{0D108BD9-81ED-4DB2-BD59-A6C34878D82A}">
-                    <a16:rowId xmlns:a16="http://schemas.microsoft.com/office/drawing/2014/main" xmlns="" val="10001"/>
+                    <a16:rowId xmlns:a16="http://schemas.microsoft.com/office/drawing/2014/main" val="10001"/>
                   </a:ext>
                 </a:extLst>
               </a:tr>
@@ -11432,7 +11367,7 @@
                 </a:tc>
                 <a:extLst>
                   <a:ext uri="{0D108BD9-81ED-4DB2-BD59-A6C34878D82A}">
-                    <a16:rowId xmlns:a16="http://schemas.microsoft.com/office/drawing/2014/main" xmlns="" val="10002"/>
+                    <a16:rowId xmlns:a16="http://schemas.microsoft.com/office/drawing/2014/main" val="10002"/>
                   </a:ext>
                 </a:extLst>
               </a:tr>
@@ -11482,7 +11417,7 @@
                 </a:tc>
                 <a:extLst>
                   <a:ext uri="{0D108BD9-81ED-4DB2-BD59-A6C34878D82A}">
-                    <a16:rowId xmlns:a16="http://schemas.microsoft.com/office/drawing/2014/main" xmlns="" val="10003"/>
+                    <a16:rowId xmlns:a16="http://schemas.microsoft.com/office/drawing/2014/main" val="10003"/>
                   </a:ext>
                 </a:extLst>
               </a:tr>
@@ -11849,7 +11784,7 @@
           <p:cNvPr id="16" name="Picture 15">
             <a:extLst>
               <a:ext uri="{FF2B5EF4-FFF2-40B4-BE49-F238E27FC236}">
-                <a16:creationId xmlns:a16="http://schemas.microsoft.com/office/drawing/2014/main" xmlns="" id="{3B461747-B757-A740-9E86-7ACD52E28042}"/>
+                <a16:creationId xmlns:a16="http://schemas.microsoft.com/office/drawing/2014/main" id="{3B461747-B757-A740-9E86-7ACD52E28042}"/>
               </a:ext>
             </a:extLst>
           </p:cNvPr>
@@ -11909,11 +11844,6 @@
               </a:rPr>
               <a:t>i = 1</a:t>
             </a:r>
-            <a:endParaRPr lang="en-US" dirty="0">
-              <a:solidFill>
-                <a:srgbClr val="FF0000"/>
-              </a:solidFill>
-            </a:endParaRPr>
           </a:p>
         </p:txBody>
       </p:sp>
@@ -11946,11 +11876,6 @@
               </a:rPr>
               <a:t>j = 1</a:t>
             </a:r>
-            <a:endParaRPr lang="en-US" dirty="0">
-              <a:solidFill>
-                <a:schemeClr val="accent6"/>
-              </a:solidFill>
-            </a:endParaRPr>
           </a:p>
         </p:txBody>
       </p:sp>
@@ -12040,21 +11965,21 @@
                 <a:gridCol w="1645709">
                   <a:extLst>
                     <a:ext uri="{9D8B030D-6E8A-4147-A177-3AD203B41FA5}">
-                      <a16:colId xmlns:a16="http://schemas.microsoft.com/office/drawing/2014/main" xmlns="" val="20000"/>
+                      <a16:colId xmlns:a16="http://schemas.microsoft.com/office/drawing/2014/main" val="20000"/>
                     </a:ext>
                   </a:extLst>
                 </a:gridCol>
                 <a:gridCol w="1645709">
                   <a:extLst>
                     <a:ext uri="{9D8B030D-6E8A-4147-A177-3AD203B41FA5}">
-                      <a16:colId xmlns:a16="http://schemas.microsoft.com/office/drawing/2014/main" xmlns="" val="20001"/>
+                      <a16:colId xmlns:a16="http://schemas.microsoft.com/office/drawing/2014/main" val="20001"/>
                     </a:ext>
                   </a:extLst>
                 </a:gridCol>
                 <a:gridCol w="1645709">
                   <a:extLst>
                     <a:ext uri="{9D8B030D-6E8A-4147-A177-3AD203B41FA5}">
-                      <a16:colId xmlns:a16="http://schemas.microsoft.com/office/drawing/2014/main" xmlns="" val="20002"/>
+                      <a16:colId xmlns:a16="http://schemas.microsoft.com/office/drawing/2014/main" val="20002"/>
                     </a:ext>
                   </a:extLst>
                 </a:gridCol>
@@ -12105,7 +12030,7 @@
                 </a:tc>
                 <a:extLst>
                   <a:ext uri="{0D108BD9-81ED-4DB2-BD59-A6C34878D82A}">
-                    <a16:rowId xmlns:a16="http://schemas.microsoft.com/office/drawing/2014/main" xmlns="" val="10000"/>
+                    <a16:rowId xmlns:a16="http://schemas.microsoft.com/office/drawing/2014/main" val="10000"/>
                   </a:ext>
                 </a:extLst>
               </a:tr>
@@ -12154,7 +12079,7 @@
                 </a:tc>
                 <a:extLst>
                   <a:ext uri="{0D108BD9-81ED-4DB2-BD59-A6C34878D82A}">
-                    <a16:rowId xmlns:a16="http://schemas.microsoft.com/office/drawing/2014/main" xmlns="" val="10001"/>
+                    <a16:rowId xmlns:a16="http://schemas.microsoft.com/office/drawing/2014/main" val="10001"/>
                   </a:ext>
                 </a:extLst>
               </a:tr>
@@ -12203,7 +12128,7 @@
                 </a:tc>
                 <a:extLst>
                   <a:ext uri="{0D108BD9-81ED-4DB2-BD59-A6C34878D82A}">
-                    <a16:rowId xmlns:a16="http://schemas.microsoft.com/office/drawing/2014/main" xmlns="" val="10002"/>
+                    <a16:rowId xmlns:a16="http://schemas.microsoft.com/office/drawing/2014/main" val="10002"/>
                   </a:ext>
                 </a:extLst>
               </a:tr>
@@ -12253,7 +12178,7 @@
                 </a:tc>
                 <a:extLst>
                   <a:ext uri="{0D108BD9-81ED-4DB2-BD59-A6C34878D82A}">
-                    <a16:rowId xmlns:a16="http://schemas.microsoft.com/office/drawing/2014/main" xmlns="" val="10003"/>
+                    <a16:rowId xmlns:a16="http://schemas.microsoft.com/office/drawing/2014/main" val="10003"/>
                   </a:ext>
                 </a:extLst>
               </a:tr>
@@ -12620,7 +12545,7 @@
           <p:cNvPr id="16" name="Picture 15">
             <a:extLst>
               <a:ext uri="{FF2B5EF4-FFF2-40B4-BE49-F238E27FC236}">
-                <a16:creationId xmlns:a16="http://schemas.microsoft.com/office/drawing/2014/main" xmlns="" id="{85664EE0-7F16-8A4C-9259-78399EFAED15}"/>
+                <a16:creationId xmlns:a16="http://schemas.microsoft.com/office/drawing/2014/main" id="{85664EE0-7F16-8A4C-9259-78399EFAED15}"/>
               </a:ext>
             </a:extLst>
           </p:cNvPr>
@@ -12680,11 +12605,6 @@
               </a:rPr>
               <a:t>i = 1</a:t>
             </a:r>
-            <a:endParaRPr lang="en-US" dirty="0">
-              <a:solidFill>
-                <a:srgbClr val="FF0000"/>
-              </a:solidFill>
-            </a:endParaRPr>
           </a:p>
         </p:txBody>
       </p:sp>
@@ -12715,21 +12635,8 @@
                   <a:schemeClr val="accent6"/>
                 </a:solidFill>
               </a:rPr>
-              <a:t>j = </a:t>
-            </a:r>
-            <a:r>
-              <a:rPr lang="en-US" dirty="0" smtClean="0">
-                <a:solidFill>
-                  <a:schemeClr val="accent6"/>
-                </a:solidFill>
-              </a:rPr>
-              <a:t>2</a:t>
-            </a:r>
-            <a:endParaRPr lang="en-US" dirty="0">
-              <a:solidFill>
-                <a:schemeClr val="accent6"/>
-              </a:solidFill>
-            </a:endParaRPr>
+              <a:t>j = 2</a:t>
+            </a:r>
           </a:p>
         </p:txBody>
       </p:sp>
@@ -12819,21 +12726,21 @@
                 <a:gridCol w="1645709">
                   <a:extLst>
                     <a:ext uri="{9D8B030D-6E8A-4147-A177-3AD203B41FA5}">
-                      <a16:colId xmlns:a16="http://schemas.microsoft.com/office/drawing/2014/main" xmlns="" val="20000"/>
+                      <a16:colId xmlns:a16="http://schemas.microsoft.com/office/drawing/2014/main" val="20000"/>
                     </a:ext>
                   </a:extLst>
                 </a:gridCol>
                 <a:gridCol w="1645709">
                   <a:extLst>
                     <a:ext uri="{9D8B030D-6E8A-4147-A177-3AD203B41FA5}">
-                      <a16:colId xmlns:a16="http://schemas.microsoft.com/office/drawing/2014/main" xmlns="" val="20001"/>
+                      <a16:colId xmlns:a16="http://schemas.microsoft.com/office/drawing/2014/main" val="20001"/>
                     </a:ext>
                   </a:extLst>
                 </a:gridCol>
                 <a:gridCol w="1645709">
                   <a:extLst>
                     <a:ext uri="{9D8B030D-6E8A-4147-A177-3AD203B41FA5}">
-                      <a16:colId xmlns:a16="http://schemas.microsoft.com/office/drawing/2014/main" xmlns="" val="20002"/>
+                      <a16:colId xmlns:a16="http://schemas.microsoft.com/office/drawing/2014/main" val="20002"/>
                     </a:ext>
                   </a:extLst>
                 </a:gridCol>
@@ -12884,7 +12791,7 @@
                 </a:tc>
                 <a:extLst>
                   <a:ext uri="{0D108BD9-81ED-4DB2-BD59-A6C34878D82A}">
-                    <a16:rowId xmlns:a16="http://schemas.microsoft.com/office/drawing/2014/main" xmlns="" val="10000"/>
+                    <a16:rowId xmlns:a16="http://schemas.microsoft.com/office/drawing/2014/main" val="10000"/>
                   </a:ext>
                 </a:extLst>
               </a:tr>
@@ -12933,7 +12840,7 @@
                 </a:tc>
                 <a:extLst>
                   <a:ext uri="{0D108BD9-81ED-4DB2-BD59-A6C34878D82A}">
-                    <a16:rowId xmlns:a16="http://schemas.microsoft.com/office/drawing/2014/main" xmlns="" val="10001"/>
+                    <a16:rowId xmlns:a16="http://schemas.microsoft.com/office/drawing/2014/main" val="10001"/>
                   </a:ext>
                 </a:extLst>
               </a:tr>
@@ -12982,7 +12889,7 @@
                 </a:tc>
                 <a:extLst>
                   <a:ext uri="{0D108BD9-81ED-4DB2-BD59-A6C34878D82A}">
-                    <a16:rowId xmlns:a16="http://schemas.microsoft.com/office/drawing/2014/main" xmlns="" val="10002"/>
+                    <a16:rowId xmlns:a16="http://schemas.microsoft.com/office/drawing/2014/main" val="10002"/>
                   </a:ext>
                 </a:extLst>
               </a:tr>
@@ -13032,7 +12939,7 @@
                 </a:tc>
                 <a:extLst>
                   <a:ext uri="{0D108BD9-81ED-4DB2-BD59-A6C34878D82A}">
-                    <a16:rowId xmlns:a16="http://schemas.microsoft.com/office/drawing/2014/main" xmlns="" val="10003"/>
+                    <a16:rowId xmlns:a16="http://schemas.microsoft.com/office/drawing/2014/main" val="10003"/>
                   </a:ext>
                 </a:extLst>
               </a:tr>
@@ -13399,7 +13306,7 @@
           <p:cNvPr id="16" name="Picture 15">
             <a:extLst>
               <a:ext uri="{FF2B5EF4-FFF2-40B4-BE49-F238E27FC236}">
-                <a16:creationId xmlns:a16="http://schemas.microsoft.com/office/drawing/2014/main" xmlns="" id="{A97E3DA5-8AE7-F74B-9682-2AD4F6259A59}"/>
+                <a16:creationId xmlns:a16="http://schemas.microsoft.com/office/drawing/2014/main" id="{A97E3DA5-8AE7-F74B-9682-2AD4F6259A59}"/>
               </a:ext>
             </a:extLst>
           </p:cNvPr>
@@ -13459,11 +13366,6 @@
               </a:rPr>
               <a:t>i = 1</a:t>
             </a:r>
-            <a:endParaRPr lang="en-US" dirty="0">
-              <a:solidFill>
-                <a:srgbClr val="FF0000"/>
-              </a:solidFill>
-            </a:endParaRPr>
           </a:p>
         </p:txBody>
       </p:sp>
@@ -13494,21 +13396,8 @@
                   <a:schemeClr val="accent6"/>
                 </a:solidFill>
               </a:rPr>
-              <a:t>j = </a:t>
-            </a:r>
-            <a:r>
-              <a:rPr lang="en-US" dirty="0" smtClean="0">
-                <a:solidFill>
-                  <a:schemeClr val="accent6"/>
-                </a:solidFill>
-              </a:rPr>
-              <a:t>3</a:t>
-            </a:r>
-            <a:endParaRPr lang="en-US" dirty="0">
-              <a:solidFill>
-                <a:schemeClr val="accent6"/>
-              </a:solidFill>
-            </a:endParaRPr>
+              <a:t>j = 3</a:t>
+            </a:r>
           </a:p>
         </p:txBody>
       </p:sp>
@@ -13667,21 +13556,21 @@
                 <a:gridCol w="1645709">
                   <a:extLst>
                     <a:ext uri="{9D8B030D-6E8A-4147-A177-3AD203B41FA5}">
-                      <a16:colId xmlns:a16="http://schemas.microsoft.com/office/drawing/2014/main" xmlns="" val="20000"/>
+                      <a16:colId xmlns:a16="http://schemas.microsoft.com/office/drawing/2014/main" val="20000"/>
                     </a:ext>
                   </a:extLst>
                 </a:gridCol>
                 <a:gridCol w="1645709">
                   <a:extLst>
                     <a:ext uri="{9D8B030D-6E8A-4147-A177-3AD203B41FA5}">
-                      <a16:colId xmlns:a16="http://schemas.microsoft.com/office/drawing/2014/main" xmlns="" val="20001"/>
+                      <a16:colId xmlns:a16="http://schemas.microsoft.com/office/drawing/2014/main" val="20001"/>
                     </a:ext>
                   </a:extLst>
                 </a:gridCol>
                 <a:gridCol w="1645709">
                   <a:extLst>
                     <a:ext uri="{9D8B030D-6E8A-4147-A177-3AD203B41FA5}">
-                      <a16:colId xmlns:a16="http://schemas.microsoft.com/office/drawing/2014/main" xmlns="" val="20002"/>
+                      <a16:colId xmlns:a16="http://schemas.microsoft.com/office/drawing/2014/main" val="20002"/>
                     </a:ext>
                   </a:extLst>
                 </a:gridCol>
@@ -13732,7 +13621,7 @@
                 </a:tc>
                 <a:extLst>
                   <a:ext uri="{0D108BD9-81ED-4DB2-BD59-A6C34878D82A}">
-                    <a16:rowId xmlns:a16="http://schemas.microsoft.com/office/drawing/2014/main" xmlns="" val="10000"/>
+                    <a16:rowId xmlns:a16="http://schemas.microsoft.com/office/drawing/2014/main" val="10000"/>
                   </a:ext>
                 </a:extLst>
               </a:tr>
@@ -13781,7 +13670,7 @@
                 </a:tc>
                 <a:extLst>
                   <a:ext uri="{0D108BD9-81ED-4DB2-BD59-A6C34878D82A}">
-                    <a16:rowId xmlns:a16="http://schemas.microsoft.com/office/drawing/2014/main" xmlns="" val="10001"/>
+                    <a16:rowId xmlns:a16="http://schemas.microsoft.com/office/drawing/2014/main" val="10001"/>
                   </a:ext>
                 </a:extLst>
               </a:tr>
@@ -13830,7 +13719,7 @@
                 </a:tc>
                 <a:extLst>
                   <a:ext uri="{0D108BD9-81ED-4DB2-BD59-A6C34878D82A}">
-                    <a16:rowId xmlns:a16="http://schemas.microsoft.com/office/drawing/2014/main" xmlns="" val="10002"/>
+                    <a16:rowId xmlns:a16="http://schemas.microsoft.com/office/drawing/2014/main" val="10002"/>
                   </a:ext>
                 </a:extLst>
               </a:tr>
@@ -13880,7 +13769,7 @@
                 </a:tc>
                 <a:extLst>
                   <a:ext uri="{0D108BD9-81ED-4DB2-BD59-A6C34878D82A}">
-                    <a16:rowId xmlns:a16="http://schemas.microsoft.com/office/drawing/2014/main" xmlns="" val="10003"/>
+                    <a16:rowId xmlns:a16="http://schemas.microsoft.com/office/drawing/2014/main" val="10003"/>
                   </a:ext>
                 </a:extLst>
               </a:tr>
@@ -14247,7 +14136,7 @@
           <p:cNvPr id="16" name="Picture 15">
             <a:extLst>
               <a:ext uri="{FF2B5EF4-FFF2-40B4-BE49-F238E27FC236}">
-                <a16:creationId xmlns:a16="http://schemas.microsoft.com/office/drawing/2014/main" xmlns="" id="{93D2D6B6-F76C-4F47-8282-C39782E4FB51}"/>
+                <a16:creationId xmlns:a16="http://schemas.microsoft.com/office/drawing/2014/main" id="{93D2D6B6-F76C-4F47-8282-C39782E4FB51}"/>
               </a:ext>
             </a:extLst>
           </p:cNvPr>
@@ -14305,21 +14194,8 @@
                   <a:srgbClr val="FF0000"/>
                 </a:solidFill>
               </a:rPr>
-              <a:t>i = </a:t>
-            </a:r>
-            <a:r>
-              <a:rPr lang="en-US" dirty="0" smtClean="0">
-                <a:solidFill>
-                  <a:srgbClr val="FF0000"/>
-                </a:solidFill>
-              </a:rPr>
-              <a:t>2</a:t>
-            </a:r>
-            <a:endParaRPr lang="en-US" dirty="0">
-              <a:solidFill>
-                <a:srgbClr val="FF0000"/>
-              </a:solidFill>
-            </a:endParaRPr>
+              <a:t>i = 2</a:t>
+            </a:r>
           </a:p>
         </p:txBody>
       </p:sp>
@@ -14352,11 +14228,6 @@
               </a:rPr>
               <a:t>j = 1</a:t>
             </a:r>
-            <a:endParaRPr lang="en-US" dirty="0">
-              <a:solidFill>
-                <a:schemeClr val="accent6"/>
-              </a:solidFill>
-            </a:endParaRPr>
           </a:p>
         </p:txBody>
       </p:sp>
@@ -14446,21 +14317,21 @@
                 <a:gridCol w="1645709">
                   <a:extLst>
                     <a:ext uri="{9D8B030D-6E8A-4147-A177-3AD203B41FA5}">
-                      <a16:colId xmlns:a16="http://schemas.microsoft.com/office/drawing/2014/main" xmlns="" val="20000"/>
+                      <a16:colId xmlns:a16="http://schemas.microsoft.com/office/drawing/2014/main" val="20000"/>
                     </a:ext>
                   </a:extLst>
                 </a:gridCol>
                 <a:gridCol w="1645709">
                   <a:extLst>
                     <a:ext uri="{9D8B030D-6E8A-4147-A177-3AD203B41FA5}">
-                      <a16:colId xmlns:a16="http://schemas.microsoft.com/office/drawing/2014/main" xmlns="" val="20001"/>
+                      <a16:colId xmlns:a16="http://schemas.microsoft.com/office/drawing/2014/main" val="20001"/>
                     </a:ext>
                   </a:extLst>
                 </a:gridCol>
                 <a:gridCol w="1645709">
                   <a:extLst>
                     <a:ext uri="{9D8B030D-6E8A-4147-A177-3AD203B41FA5}">
-                      <a16:colId xmlns:a16="http://schemas.microsoft.com/office/drawing/2014/main" xmlns="" val="20002"/>
+                      <a16:colId xmlns:a16="http://schemas.microsoft.com/office/drawing/2014/main" val="20002"/>
                     </a:ext>
                   </a:extLst>
                 </a:gridCol>
@@ -14511,7 +14382,7 @@
                 </a:tc>
                 <a:extLst>
                   <a:ext uri="{0D108BD9-81ED-4DB2-BD59-A6C34878D82A}">
-                    <a16:rowId xmlns:a16="http://schemas.microsoft.com/office/drawing/2014/main" xmlns="" val="10000"/>
+                    <a16:rowId xmlns:a16="http://schemas.microsoft.com/office/drawing/2014/main" val="10000"/>
                   </a:ext>
                 </a:extLst>
               </a:tr>
@@ -14560,7 +14431,7 @@
                 </a:tc>
                 <a:extLst>
                   <a:ext uri="{0D108BD9-81ED-4DB2-BD59-A6C34878D82A}">
-                    <a16:rowId xmlns:a16="http://schemas.microsoft.com/office/drawing/2014/main" xmlns="" val="10001"/>
+                    <a16:rowId xmlns:a16="http://schemas.microsoft.com/office/drawing/2014/main" val="10001"/>
                   </a:ext>
                 </a:extLst>
               </a:tr>
@@ -14609,7 +14480,7 @@
                 </a:tc>
                 <a:extLst>
                   <a:ext uri="{0D108BD9-81ED-4DB2-BD59-A6C34878D82A}">
-                    <a16:rowId xmlns:a16="http://schemas.microsoft.com/office/drawing/2014/main" xmlns="" val="10002"/>
+                    <a16:rowId xmlns:a16="http://schemas.microsoft.com/office/drawing/2014/main" val="10002"/>
                   </a:ext>
                 </a:extLst>
               </a:tr>
@@ -14659,7 +14530,7 @@
                 </a:tc>
                 <a:extLst>
                   <a:ext uri="{0D108BD9-81ED-4DB2-BD59-A6C34878D82A}">
-                    <a16:rowId xmlns:a16="http://schemas.microsoft.com/office/drawing/2014/main" xmlns="" val="10003"/>
+                    <a16:rowId xmlns:a16="http://schemas.microsoft.com/office/drawing/2014/main" val="10003"/>
                   </a:ext>
                 </a:extLst>
               </a:tr>
@@ -15026,7 +14897,7 @@
           <p:cNvPr id="16" name="Picture 15">
             <a:extLst>
               <a:ext uri="{FF2B5EF4-FFF2-40B4-BE49-F238E27FC236}">
-                <a16:creationId xmlns:a16="http://schemas.microsoft.com/office/drawing/2014/main" xmlns="" id="{C019DEE0-140D-BA42-A413-2E1A51920191}"/>
+                <a16:creationId xmlns:a16="http://schemas.microsoft.com/office/drawing/2014/main" id="{C019DEE0-140D-BA42-A413-2E1A51920191}"/>
               </a:ext>
             </a:extLst>
           </p:cNvPr>
@@ -15084,21 +14955,8 @@
                   <a:srgbClr val="FF0000"/>
                 </a:solidFill>
               </a:rPr>
-              <a:t>i = </a:t>
-            </a:r>
-            <a:r>
-              <a:rPr lang="en-US" dirty="0" smtClean="0">
-                <a:solidFill>
-                  <a:srgbClr val="FF0000"/>
-                </a:solidFill>
-              </a:rPr>
-              <a:t>2</a:t>
-            </a:r>
-            <a:endParaRPr lang="en-US" dirty="0">
-              <a:solidFill>
-                <a:srgbClr val="FF0000"/>
-              </a:solidFill>
-            </a:endParaRPr>
+              <a:t>i = 2</a:t>
+            </a:r>
           </a:p>
         </p:txBody>
       </p:sp>
@@ -15129,21 +14987,8 @@
                   <a:schemeClr val="accent6"/>
                 </a:solidFill>
               </a:rPr>
-              <a:t>j = </a:t>
-            </a:r>
-            <a:r>
-              <a:rPr lang="en-US" dirty="0" smtClean="0">
-                <a:solidFill>
-                  <a:schemeClr val="accent6"/>
-                </a:solidFill>
-              </a:rPr>
-              <a:t>2</a:t>
-            </a:r>
-            <a:endParaRPr lang="en-US" dirty="0">
-              <a:solidFill>
-                <a:schemeClr val="accent6"/>
-              </a:solidFill>
-            </a:endParaRPr>
+              <a:t>j = 2</a:t>
+            </a:r>
           </a:p>
         </p:txBody>
       </p:sp>
@@ -15233,21 +15078,21 @@
                 <a:gridCol w="1645709">
                   <a:extLst>
                     <a:ext uri="{9D8B030D-6E8A-4147-A177-3AD203B41FA5}">
-                      <a16:colId xmlns:a16="http://schemas.microsoft.com/office/drawing/2014/main" xmlns="" val="20000"/>
+                      <a16:colId xmlns:a16="http://schemas.microsoft.com/office/drawing/2014/main" val="20000"/>
                     </a:ext>
                   </a:extLst>
                 </a:gridCol>
                 <a:gridCol w="1645709">
                   <a:extLst>
                     <a:ext uri="{9D8B030D-6E8A-4147-A177-3AD203B41FA5}">
-                      <a16:colId xmlns:a16="http://schemas.microsoft.com/office/drawing/2014/main" xmlns="" val="20001"/>
+                      <a16:colId xmlns:a16="http://schemas.microsoft.com/office/drawing/2014/main" val="20001"/>
                     </a:ext>
                   </a:extLst>
                 </a:gridCol>
                 <a:gridCol w="1645709">
                   <a:extLst>
                     <a:ext uri="{9D8B030D-6E8A-4147-A177-3AD203B41FA5}">
-                      <a16:colId xmlns:a16="http://schemas.microsoft.com/office/drawing/2014/main" xmlns="" val="20002"/>
+                      <a16:colId xmlns:a16="http://schemas.microsoft.com/office/drawing/2014/main" val="20002"/>
                     </a:ext>
                   </a:extLst>
                 </a:gridCol>
@@ -15298,7 +15143,7 @@
                 </a:tc>
                 <a:extLst>
                   <a:ext uri="{0D108BD9-81ED-4DB2-BD59-A6C34878D82A}">
-                    <a16:rowId xmlns:a16="http://schemas.microsoft.com/office/drawing/2014/main" xmlns="" val="10000"/>
+                    <a16:rowId xmlns:a16="http://schemas.microsoft.com/office/drawing/2014/main" val="10000"/>
                   </a:ext>
                 </a:extLst>
               </a:tr>
@@ -15347,7 +15192,7 @@
                 </a:tc>
                 <a:extLst>
                   <a:ext uri="{0D108BD9-81ED-4DB2-BD59-A6C34878D82A}">
-                    <a16:rowId xmlns:a16="http://schemas.microsoft.com/office/drawing/2014/main" xmlns="" val="10001"/>
+                    <a16:rowId xmlns:a16="http://schemas.microsoft.com/office/drawing/2014/main" val="10001"/>
                   </a:ext>
                 </a:extLst>
               </a:tr>
@@ -15396,7 +15241,7 @@
                 </a:tc>
                 <a:extLst>
                   <a:ext uri="{0D108BD9-81ED-4DB2-BD59-A6C34878D82A}">
-                    <a16:rowId xmlns:a16="http://schemas.microsoft.com/office/drawing/2014/main" xmlns="" val="10002"/>
+                    <a16:rowId xmlns:a16="http://schemas.microsoft.com/office/drawing/2014/main" val="10002"/>
                   </a:ext>
                 </a:extLst>
               </a:tr>
@@ -15446,7 +15291,7 @@
                 </a:tc>
                 <a:extLst>
                   <a:ext uri="{0D108BD9-81ED-4DB2-BD59-A6C34878D82A}">
-                    <a16:rowId xmlns:a16="http://schemas.microsoft.com/office/drawing/2014/main" xmlns="" val="10003"/>
+                    <a16:rowId xmlns:a16="http://schemas.microsoft.com/office/drawing/2014/main" val="10003"/>
                   </a:ext>
                 </a:extLst>
               </a:tr>
@@ -15813,7 +15658,7 @@
           <p:cNvPr id="16" name="Picture 15">
             <a:extLst>
               <a:ext uri="{FF2B5EF4-FFF2-40B4-BE49-F238E27FC236}">
-                <a16:creationId xmlns:a16="http://schemas.microsoft.com/office/drawing/2014/main" xmlns="" id="{FA5E8C3C-F318-1F4E-932B-260DEE0EE581}"/>
+                <a16:creationId xmlns:a16="http://schemas.microsoft.com/office/drawing/2014/main" id="{FA5E8C3C-F318-1F4E-932B-260DEE0EE581}"/>
               </a:ext>
             </a:extLst>
           </p:cNvPr>
@@ -15871,21 +15716,8 @@
                   <a:srgbClr val="FF0000"/>
                 </a:solidFill>
               </a:rPr>
-              <a:t>i = </a:t>
-            </a:r>
-            <a:r>
-              <a:rPr lang="en-US" dirty="0" smtClean="0">
-                <a:solidFill>
-                  <a:srgbClr val="FF0000"/>
-                </a:solidFill>
-              </a:rPr>
-              <a:t>2</a:t>
-            </a:r>
-            <a:endParaRPr lang="en-US" dirty="0">
-              <a:solidFill>
-                <a:srgbClr val="FF0000"/>
-              </a:solidFill>
-            </a:endParaRPr>
+              <a:t>i = 2</a:t>
+            </a:r>
           </a:p>
         </p:txBody>
       </p:sp>
@@ -15916,21 +15748,8 @@
                   <a:schemeClr val="accent6"/>
                 </a:solidFill>
               </a:rPr>
-              <a:t>j = </a:t>
-            </a:r>
-            <a:r>
-              <a:rPr lang="en-US" dirty="0" smtClean="0">
-                <a:solidFill>
-                  <a:schemeClr val="accent6"/>
-                </a:solidFill>
-              </a:rPr>
-              <a:t>3</a:t>
-            </a:r>
-            <a:endParaRPr lang="en-US" dirty="0">
-              <a:solidFill>
-                <a:schemeClr val="accent6"/>
-              </a:solidFill>
-            </a:endParaRPr>
+              <a:t>j = 3</a:t>
+            </a:r>
           </a:p>
         </p:txBody>
       </p:sp>
@@ -16020,21 +15839,21 @@
                 <a:gridCol w="1645709">
                   <a:extLst>
                     <a:ext uri="{9D8B030D-6E8A-4147-A177-3AD203B41FA5}">
-                      <a16:colId xmlns:a16="http://schemas.microsoft.com/office/drawing/2014/main" xmlns="" val="20000"/>
+                      <a16:colId xmlns:a16="http://schemas.microsoft.com/office/drawing/2014/main" val="20000"/>
                     </a:ext>
                   </a:extLst>
                 </a:gridCol>
                 <a:gridCol w="1645709">
                   <a:extLst>
                     <a:ext uri="{9D8B030D-6E8A-4147-A177-3AD203B41FA5}">
-                      <a16:colId xmlns:a16="http://schemas.microsoft.com/office/drawing/2014/main" xmlns="" val="20001"/>
+                      <a16:colId xmlns:a16="http://schemas.microsoft.com/office/drawing/2014/main" val="20001"/>
                     </a:ext>
                   </a:extLst>
                 </a:gridCol>
                 <a:gridCol w="1645709">
                   <a:extLst>
                     <a:ext uri="{9D8B030D-6E8A-4147-A177-3AD203B41FA5}">
-                      <a16:colId xmlns:a16="http://schemas.microsoft.com/office/drawing/2014/main" xmlns="" val="20002"/>
+                      <a16:colId xmlns:a16="http://schemas.microsoft.com/office/drawing/2014/main" val="20002"/>
                     </a:ext>
                   </a:extLst>
                 </a:gridCol>
@@ -16085,7 +15904,7 @@
                 </a:tc>
                 <a:extLst>
                   <a:ext uri="{0D108BD9-81ED-4DB2-BD59-A6C34878D82A}">
-                    <a16:rowId xmlns:a16="http://schemas.microsoft.com/office/drawing/2014/main" xmlns="" val="10000"/>
+                    <a16:rowId xmlns:a16="http://schemas.microsoft.com/office/drawing/2014/main" val="10000"/>
                   </a:ext>
                 </a:extLst>
               </a:tr>
@@ -16134,7 +15953,7 @@
                 </a:tc>
                 <a:extLst>
                   <a:ext uri="{0D108BD9-81ED-4DB2-BD59-A6C34878D82A}">
-                    <a16:rowId xmlns:a16="http://schemas.microsoft.com/office/drawing/2014/main" xmlns="" val="10001"/>
+                    <a16:rowId xmlns:a16="http://schemas.microsoft.com/office/drawing/2014/main" val="10001"/>
                   </a:ext>
                 </a:extLst>
               </a:tr>
@@ -16183,7 +16002,7 @@
                 </a:tc>
                 <a:extLst>
                   <a:ext uri="{0D108BD9-81ED-4DB2-BD59-A6C34878D82A}">
-                    <a16:rowId xmlns:a16="http://schemas.microsoft.com/office/drawing/2014/main" xmlns="" val="10002"/>
+                    <a16:rowId xmlns:a16="http://schemas.microsoft.com/office/drawing/2014/main" val="10002"/>
                   </a:ext>
                 </a:extLst>
               </a:tr>
@@ -16233,7 +16052,7 @@
                 </a:tc>
                 <a:extLst>
                   <a:ext uri="{0D108BD9-81ED-4DB2-BD59-A6C34878D82A}">
-                    <a16:rowId xmlns:a16="http://schemas.microsoft.com/office/drawing/2014/main" xmlns="" val="10003"/>
+                    <a16:rowId xmlns:a16="http://schemas.microsoft.com/office/drawing/2014/main" val="10003"/>
                   </a:ext>
                 </a:extLst>
               </a:tr>
@@ -16576,7 +16395,7 @@
           <p:cNvPr id="16" name="Picture 15">
             <a:extLst>
               <a:ext uri="{FF2B5EF4-FFF2-40B4-BE49-F238E27FC236}">
-                <a16:creationId xmlns:a16="http://schemas.microsoft.com/office/drawing/2014/main" xmlns="" id="{4AED99DE-6593-E34F-868C-98FA0427DECB}"/>
+                <a16:creationId xmlns:a16="http://schemas.microsoft.com/office/drawing/2014/main" id="{4AED99DE-6593-E34F-868C-98FA0427DECB}"/>
               </a:ext>
             </a:extLst>
           </p:cNvPr>
@@ -16634,21 +16453,8 @@
                   <a:srgbClr val="FF0000"/>
                 </a:solidFill>
               </a:rPr>
-              <a:t>i = </a:t>
-            </a:r>
-            <a:r>
-              <a:rPr lang="en-US" dirty="0" smtClean="0">
-                <a:solidFill>
-                  <a:srgbClr val="FF0000"/>
-                </a:solidFill>
-              </a:rPr>
-              <a:t>3</a:t>
-            </a:r>
-            <a:endParaRPr lang="en-US" dirty="0">
-              <a:solidFill>
-                <a:srgbClr val="FF0000"/>
-              </a:solidFill>
-            </a:endParaRPr>
+              <a:t>i = 3</a:t>
+            </a:r>
           </a:p>
         </p:txBody>
       </p:sp>
@@ -16681,11 +16487,6 @@
               </a:rPr>
               <a:t>j = 1</a:t>
             </a:r>
-            <a:endParaRPr lang="en-US" dirty="0">
-              <a:solidFill>
-                <a:schemeClr val="accent6"/>
-              </a:solidFill>
-            </a:endParaRPr>
           </a:p>
         </p:txBody>
       </p:sp>
